--- a/Wprowadzenie do rekurencji 2/I. Wprowadzenie do rekurencji 2/Sortowanie przez scalanie.pptx
+++ b/Wprowadzenie do rekurencji 2/I. Wprowadzenie do rekurencji 2/Sortowanie przez scalanie.pptx
@@ -10,6 +10,7 @@
     <p:sldId id="259" r:id="rId4"/>
     <p:sldId id="258" r:id="rId5"/>
     <p:sldId id="260" r:id="rId6"/>
+    <p:sldId id="261" r:id="rId7"/>
   </p:sldIdLst>
   <p:sldSz cx="12192000" cy="6858000"/>
   <p:notesSz cx="6858000" cy="9144000"/>
@@ -6581,7 +6582,7 @@
           <a:p>
             <a:fld id="{13ABF7E8-F1D6-42C1-B5EE-D63CA8C0C9C6}" type="datetimeFigureOut">
               <a:rPr lang="pl-PL" smtClean="0"/>
-              <a:t>27.08.2018</a:t>
+              <a:t>04.09.2018</a:t>
             </a:fld>
             <a:endParaRPr lang="pl-PL"/>
           </a:p>
@@ -6779,7 +6780,7 @@
           <a:p>
             <a:fld id="{13ABF7E8-F1D6-42C1-B5EE-D63CA8C0C9C6}" type="datetimeFigureOut">
               <a:rPr lang="pl-PL" smtClean="0"/>
-              <a:t>27.08.2018</a:t>
+              <a:t>04.09.2018</a:t>
             </a:fld>
             <a:endParaRPr lang="pl-PL"/>
           </a:p>
@@ -6987,7 +6988,7 @@
           <a:p>
             <a:fld id="{13ABF7E8-F1D6-42C1-B5EE-D63CA8C0C9C6}" type="datetimeFigureOut">
               <a:rPr lang="pl-PL" smtClean="0"/>
-              <a:t>27.08.2018</a:t>
+              <a:t>04.09.2018</a:t>
             </a:fld>
             <a:endParaRPr lang="pl-PL"/>
           </a:p>
@@ -7185,7 +7186,7 @@
           <a:p>
             <a:fld id="{13ABF7E8-F1D6-42C1-B5EE-D63CA8C0C9C6}" type="datetimeFigureOut">
               <a:rPr lang="pl-PL" smtClean="0"/>
-              <a:t>27.08.2018</a:t>
+              <a:t>04.09.2018</a:t>
             </a:fld>
             <a:endParaRPr lang="pl-PL"/>
           </a:p>
@@ -7460,7 +7461,7 @@
           <a:p>
             <a:fld id="{13ABF7E8-F1D6-42C1-B5EE-D63CA8C0C9C6}" type="datetimeFigureOut">
               <a:rPr lang="pl-PL" smtClean="0"/>
-              <a:t>27.08.2018</a:t>
+              <a:t>04.09.2018</a:t>
             </a:fld>
             <a:endParaRPr lang="pl-PL"/>
           </a:p>
@@ -7725,7 +7726,7 @@
           <a:p>
             <a:fld id="{13ABF7E8-F1D6-42C1-B5EE-D63CA8C0C9C6}" type="datetimeFigureOut">
               <a:rPr lang="pl-PL" smtClean="0"/>
-              <a:t>27.08.2018</a:t>
+              <a:t>04.09.2018</a:t>
             </a:fld>
             <a:endParaRPr lang="pl-PL"/>
           </a:p>
@@ -8137,7 +8138,7 @@
           <a:p>
             <a:fld id="{13ABF7E8-F1D6-42C1-B5EE-D63CA8C0C9C6}" type="datetimeFigureOut">
               <a:rPr lang="pl-PL" smtClean="0"/>
-              <a:t>27.08.2018</a:t>
+              <a:t>04.09.2018</a:t>
             </a:fld>
             <a:endParaRPr lang="pl-PL"/>
           </a:p>
@@ -8278,7 +8279,7 @@
           <a:p>
             <a:fld id="{13ABF7E8-F1D6-42C1-B5EE-D63CA8C0C9C6}" type="datetimeFigureOut">
               <a:rPr lang="pl-PL" smtClean="0"/>
-              <a:t>27.08.2018</a:t>
+              <a:t>04.09.2018</a:t>
             </a:fld>
             <a:endParaRPr lang="pl-PL"/>
           </a:p>
@@ -8391,7 +8392,7 @@
           <a:p>
             <a:fld id="{13ABF7E8-F1D6-42C1-B5EE-D63CA8C0C9C6}" type="datetimeFigureOut">
               <a:rPr lang="pl-PL" smtClean="0"/>
-              <a:t>27.08.2018</a:t>
+              <a:t>04.09.2018</a:t>
             </a:fld>
             <a:endParaRPr lang="pl-PL"/>
           </a:p>
@@ -8702,7 +8703,7 @@
           <a:p>
             <a:fld id="{13ABF7E8-F1D6-42C1-B5EE-D63CA8C0C9C6}" type="datetimeFigureOut">
               <a:rPr lang="pl-PL" smtClean="0"/>
-              <a:t>27.08.2018</a:t>
+              <a:t>04.09.2018</a:t>
             </a:fld>
             <a:endParaRPr lang="pl-PL"/>
           </a:p>
@@ -8990,7 +8991,7 @@
           <a:p>
             <a:fld id="{13ABF7E8-F1D6-42C1-B5EE-D63CA8C0C9C6}" type="datetimeFigureOut">
               <a:rPr lang="pl-PL" smtClean="0"/>
-              <a:t>27.08.2018</a:t>
+              <a:t>04.09.2018</a:t>
             </a:fld>
             <a:endParaRPr lang="pl-PL"/>
           </a:p>
@@ -9231,7 +9232,7 @@
           <a:p>
             <a:fld id="{13ABF7E8-F1D6-42C1-B5EE-D63CA8C0C9C6}" type="datetimeFigureOut">
               <a:rPr lang="pl-PL" smtClean="0"/>
-              <a:t>27.08.2018</a:t>
+              <a:t>04.09.2018</a:t>
             </a:fld>
             <a:endParaRPr lang="pl-PL"/>
           </a:p>
@@ -13229,6 +13230,121 @@
 </p:sld>
 </file>
 
+<file path=ppt/slides/slide6.xml><?xml version="1.0" encoding="utf-8"?>
+<p:sld xmlns:a="http://schemas.openxmlformats.org/drawingml/2006/main" xmlns:r="http://schemas.openxmlformats.org/officeDocument/2006/relationships" xmlns:p="http://schemas.openxmlformats.org/presentationml/2006/main">
+  <p:cSld>
+    <p:spTree>
+      <p:nvGrpSpPr>
+        <p:cNvPr id="1" name=""/>
+        <p:cNvGrpSpPr/>
+        <p:nvPr/>
+      </p:nvGrpSpPr>
+      <p:grpSpPr>
+        <a:xfrm>
+          <a:off x="0" y="0"/>
+          <a:ext cx="0" cy="0"/>
+          <a:chOff x="0" y="0"/>
+          <a:chExt cx="0" cy="0"/>
+        </a:xfrm>
+      </p:grpSpPr>
+      <p:sp>
+        <p:nvSpPr>
+          <p:cNvPr id="2" name="Tytuł 1">
+            <a:extLst>
+              <a:ext uri="{FF2B5EF4-FFF2-40B4-BE49-F238E27FC236}">
+                <a16:creationId xmlns:a16="http://schemas.microsoft.com/office/drawing/2014/main" id="{F105FD00-1D87-2A4E-B4B0-6ED59EA76FA1}"/>
+              </a:ext>
+            </a:extLst>
+          </p:cNvPr>
+          <p:cNvSpPr>
+            <a:spLocks noGrp="1"/>
+          </p:cNvSpPr>
+          <p:nvPr>
+            <p:ph type="title"/>
+          </p:nvPr>
+        </p:nvSpPr>
+        <p:spPr/>
+        <p:txBody>
+          <a:bodyPr/>
+          <a:lstStyle/>
+          <a:p>
+            <a:endParaRPr lang="pl-PL"/>
+          </a:p>
+        </p:txBody>
+      </p:sp>
+      <p:sp>
+        <p:nvSpPr>
+          <p:cNvPr id="3" name="Symbol zastępczy zawartości 2">
+            <a:extLst>
+              <a:ext uri="{FF2B5EF4-FFF2-40B4-BE49-F238E27FC236}">
+                <a16:creationId xmlns:a16="http://schemas.microsoft.com/office/drawing/2014/main" id="{DB7DC49E-EA7A-5D43-8351-A687CC0928BE}"/>
+              </a:ext>
+            </a:extLst>
+          </p:cNvPr>
+          <p:cNvSpPr>
+            <a:spLocks noGrp="1"/>
+          </p:cNvSpPr>
+          <p:nvPr>
+            <p:ph idx="1"/>
+          </p:nvPr>
+        </p:nvSpPr>
+        <p:spPr/>
+        <p:txBody>
+          <a:bodyPr/>
+          <a:lstStyle/>
+          <a:p>
+            <a:r>
+              <a:rPr lang="pl-PL" dirty="0"/>
+              <a:t>Rozbić przedstawienie podziału na poszczególne kroki</a:t>
+            </a:r>
+          </a:p>
+          <a:p>
+            <a:r>
+              <a:rPr lang="pl-PL" dirty="0"/>
+              <a:t>Kolejność:</a:t>
+            </a:r>
+          </a:p>
+          <a:p>
+            <a:pPr lvl="1"/>
+            <a:r>
+              <a:rPr lang="pl-PL" dirty="0"/>
+              <a:t>Lista kroków (zapis) algorytmu sortowania przez scalanie</a:t>
+            </a:r>
+          </a:p>
+          <a:p>
+            <a:pPr lvl="1"/>
+            <a:r>
+              <a:rPr lang="pl-PL" dirty="0"/>
+              <a:t>Przedstawić na przykładzie operację scalania</a:t>
+            </a:r>
+          </a:p>
+          <a:p>
+            <a:pPr lvl="1"/>
+            <a:r>
+              <a:rPr lang="pl-PL" dirty="0"/>
+              <a:t>Dodatkowo: zwrócić uwagę na możliwość </a:t>
+            </a:r>
+            <a:r>
+              <a:rPr lang="pl-PL"/>
+              <a:t>wykonania równoległego</a:t>
+            </a:r>
+            <a:endParaRPr lang="pl-PL" dirty="0"/>
+          </a:p>
+        </p:txBody>
+      </p:sp>
+    </p:spTree>
+    <p:extLst>
+      <p:ext uri="{BB962C8B-B14F-4D97-AF65-F5344CB8AC3E}">
+        <p14:creationId xmlns:p14="http://schemas.microsoft.com/office/powerpoint/2010/main" val="402888501"/>
+      </p:ext>
+    </p:extLst>
+  </p:cSld>
+  <p:clrMapOvr>
+    <a:masterClrMapping/>
+  </p:clrMapOvr>
+</p:sld>
+</file>
+
 <file path=ppt/theme/theme1.xml><?xml version="1.0" encoding="utf-8"?>
 <a:theme xmlns:a="http://schemas.openxmlformats.org/drawingml/2006/main" name="Motyw pakietu Office">
   <a:themeElements>
